--- a/信息学奥赛/趣学C++编程/第5单元 数组、排序和字符串/第4课 vector变长数组/vector向量.pptx
+++ b/信息学奥赛/趣学C++编程/第5单元 数组、排序和字符串/第4课 vector变长数组/vector向量.pptx
@@ -266,7 +266,7 @@
           <a:p>
             <a:fld id="{6DB8FC75-0739-4932-875F-958490033975}" type="datetimeFigureOut">
               <a:rPr lang="zh-CN" altLang="en-US" smtClean="0"/>
-              <a:t>2022/10/24</a:t>
+              <a:t>2023/3/7</a:t>
             </a:fld>
             <a:endParaRPr lang="zh-CN" altLang="en-US"/>
           </a:p>
@@ -464,7 +464,7 @@
           <a:p>
             <a:fld id="{6DB8FC75-0739-4932-875F-958490033975}" type="datetimeFigureOut">
               <a:rPr lang="zh-CN" altLang="en-US" smtClean="0"/>
-              <a:t>2022/10/24</a:t>
+              <a:t>2023/3/7</a:t>
             </a:fld>
             <a:endParaRPr lang="zh-CN" altLang="en-US"/>
           </a:p>
@@ -672,7 +672,7 @@
           <a:p>
             <a:fld id="{6DB8FC75-0739-4932-875F-958490033975}" type="datetimeFigureOut">
               <a:rPr lang="zh-CN" altLang="en-US" smtClean="0"/>
-              <a:t>2022/10/24</a:t>
+              <a:t>2023/3/7</a:t>
             </a:fld>
             <a:endParaRPr lang="zh-CN" altLang="en-US"/>
           </a:p>
@@ -870,7 +870,7 @@
           <a:p>
             <a:fld id="{6DB8FC75-0739-4932-875F-958490033975}" type="datetimeFigureOut">
               <a:rPr lang="zh-CN" altLang="en-US" smtClean="0"/>
-              <a:t>2022/10/24</a:t>
+              <a:t>2023/3/7</a:t>
             </a:fld>
             <a:endParaRPr lang="zh-CN" altLang="en-US"/>
           </a:p>
@@ -1145,7 +1145,7 @@
           <a:p>
             <a:fld id="{6DB8FC75-0739-4932-875F-958490033975}" type="datetimeFigureOut">
               <a:rPr lang="zh-CN" altLang="en-US" smtClean="0"/>
-              <a:t>2022/10/24</a:t>
+              <a:t>2023/3/7</a:t>
             </a:fld>
             <a:endParaRPr lang="zh-CN" altLang="en-US"/>
           </a:p>
@@ -1410,7 +1410,7 @@
           <a:p>
             <a:fld id="{6DB8FC75-0739-4932-875F-958490033975}" type="datetimeFigureOut">
               <a:rPr lang="zh-CN" altLang="en-US" smtClean="0"/>
-              <a:t>2022/10/24</a:t>
+              <a:t>2023/3/7</a:t>
             </a:fld>
             <a:endParaRPr lang="zh-CN" altLang="en-US"/>
           </a:p>
@@ -1822,7 +1822,7 @@
           <a:p>
             <a:fld id="{6DB8FC75-0739-4932-875F-958490033975}" type="datetimeFigureOut">
               <a:rPr lang="zh-CN" altLang="en-US" smtClean="0"/>
-              <a:t>2022/10/24</a:t>
+              <a:t>2023/3/7</a:t>
             </a:fld>
             <a:endParaRPr lang="zh-CN" altLang="en-US"/>
           </a:p>
@@ -1963,7 +1963,7 @@
           <a:p>
             <a:fld id="{6DB8FC75-0739-4932-875F-958490033975}" type="datetimeFigureOut">
               <a:rPr lang="zh-CN" altLang="en-US" smtClean="0"/>
-              <a:t>2022/10/24</a:t>
+              <a:t>2023/3/7</a:t>
             </a:fld>
             <a:endParaRPr lang="zh-CN" altLang="en-US"/>
           </a:p>
@@ -2124,7 +2124,7 @@
           </a:ln>
           <a:extLst>
             <a:ext uri="{C572A759-6A51-4108-AA02-DFA0A04FC94B}">
-              <ma14:wrappingTextBoxFlag xmlns="" xmlns:m="http://schemas.openxmlformats.org/officeDocument/2006/math" xmlns:a14="http://schemas.microsoft.com/office/drawing/2010/main" xmlns:ma14="http://schemas.microsoft.com/office/mac/drawingml/2011/main" val="1"/>
+              <ma14:wrappingTextBoxFlag xmlns:ma14="http://schemas.microsoft.com/office/mac/drawingml/2011/main" xmlns:a14="http://schemas.microsoft.com/office/drawing/2010/main" xmlns:m="http://schemas.openxmlformats.org/officeDocument/2006/math" xmlns="" val="1"/>
             </a:ext>
           </a:extLst>
         </p:spPr>
@@ -2314,7 +2314,7 @@
           </a:ln>
           <a:extLst>
             <a:ext uri="{C572A759-6A51-4108-AA02-DFA0A04FC94B}">
-              <ma14:wrappingTextBoxFlag xmlns:ma14="http://schemas.microsoft.com/office/mac/drawingml/2011/main" xmlns:a14="http://schemas.microsoft.com/office/drawing/2010/main" xmlns:m="http://schemas.openxmlformats.org/officeDocument/2006/math" xmlns="" val="1"/>
+              <ma14:wrappingTextBoxFlag xmlns="" xmlns:m="http://schemas.openxmlformats.org/officeDocument/2006/math" xmlns:a14="http://schemas.microsoft.com/office/drawing/2010/main" xmlns:ma14="http://schemas.microsoft.com/office/mac/drawingml/2011/main" val="1"/>
             </a:ext>
           </a:extLst>
         </p:spPr>
@@ -2693,7 +2693,7 @@
           <a:p>
             <a:fld id="{6DB8FC75-0739-4932-875F-958490033975}" type="datetimeFigureOut">
               <a:rPr lang="zh-CN" altLang="en-US" smtClean="0"/>
-              <a:t>2022/10/24</a:t>
+              <a:t>2023/3/7</a:t>
             </a:fld>
             <a:endParaRPr lang="zh-CN" altLang="en-US"/>
           </a:p>
@@ -2981,7 +2981,7 @@
           <a:p>
             <a:fld id="{6DB8FC75-0739-4932-875F-958490033975}" type="datetimeFigureOut">
               <a:rPr lang="zh-CN" altLang="en-US" smtClean="0"/>
-              <a:t>2022/10/24</a:t>
+              <a:t>2023/3/7</a:t>
             </a:fld>
             <a:endParaRPr lang="zh-CN" altLang="en-US"/>
           </a:p>
@@ -3222,7 +3222,7 @@
           <a:p>
             <a:fld id="{6DB8FC75-0739-4932-875F-958490033975}" type="datetimeFigureOut">
               <a:rPr lang="zh-CN" altLang="en-US" smtClean="0"/>
-              <a:t>2022/10/24</a:t>
+              <a:t>2023/3/7</a:t>
             </a:fld>
             <a:endParaRPr lang="zh-CN" altLang="en-US"/>
           </a:p>
